--- a/day-4/Using Kubernetes Day 4.pptx
+++ b/day-4/Using Kubernetes Day 4.pptx
@@ -278,7 +278,7 @@
           <a:p>
             <a:fld id="{42C2343A-BF2E-4E4B-99FA-FDD616CF880E}" type="datetimeFigureOut">
               <a:rPr lang="en-IL" smtClean="0"/>
-              <a:t>30/12/2021</a:t>
+              <a:t>28/02/2022</a:t>
             </a:fld>
             <a:endParaRPr lang="en-IL"/>
           </a:p>
@@ -478,7 +478,7 @@
           <a:p>
             <a:fld id="{42C2343A-BF2E-4E4B-99FA-FDD616CF880E}" type="datetimeFigureOut">
               <a:rPr lang="en-IL" smtClean="0"/>
-              <a:t>30/12/2021</a:t>
+              <a:t>28/02/2022</a:t>
             </a:fld>
             <a:endParaRPr lang="en-IL"/>
           </a:p>
@@ -688,7 +688,7 @@
           <a:p>
             <a:fld id="{42C2343A-BF2E-4E4B-99FA-FDD616CF880E}" type="datetimeFigureOut">
               <a:rPr lang="en-IL" smtClean="0"/>
-              <a:t>30/12/2021</a:t>
+              <a:t>28/02/2022</a:t>
             </a:fld>
             <a:endParaRPr lang="en-IL"/>
           </a:p>
@@ -993,7 +993,7 @@
           <a:p>
             <a:fld id="{42C2343A-BF2E-4E4B-99FA-FDD616CF880E}" type="datetimeFigureOut">
               <a:rPr lang="en-IL" smtClean="0"/>
-              <a:t>30/12/2021</a:t>
+              <a:t>28/02/2022</a:t>
             </a:fld>
             <a:endParaRPr lang="en-IL"/>
           </a:p>
@@ -1269,7 +1269,7 @@
           <a:p>
             <a:fld id="{42C2343A-BF2E-4E4B-99FA-FDD616CF880E}" type="datetimeFigureOut">
               <a:rPr lang="en-IL" smtClean="0"/>
-              <a:t>30/12/2021</a:t>
+              <a:t>28/02/2022</a:t>
             </a:fld>
             <a:endParaRPr lang="en-IL"/>
           </a:p>
@@ -1537,7 +1537,7 @@
           <a:p>
             <a:fld id="{42C2343A-BF2E-4E4B-99FA-FDD616CF880E}" type="datetimeFigureOut">
               <a:rPr lang="en-IL" smtClean="0"/>
-              <a:t>30/12/2021</a:t>
+              <a:t>28/02/2022</a:t>
             </a:fld>
             <a:endParaRPr lang="en-IL"/>
           </a:p>
@@ -1952,7 +1952,7 @@
           <a:p>
             <a:fld id="{42C2343A-BF2E-4E4B-99FA-FDD616CF880E}" type="datetimeFigureOut">
               <a:rPr lang="en-IL" smtClean="0"/>
-              <a:t>30/12/2021</a:t>
+              <a:t>28/02/2022</a:t>
             </a:fld>
             <a:endParaRPr lang="en-IL"/>
           </a:p>
@@ -2094,7 +2094,7 @@
           <a:p>
             <a:fld id="{42C2343A-BF2E-4E4B-99FA-FDD616CF880E}" type="datetimeFigureOut">
               <a:rPr lang="en-IL" smtClean="0"/>
-              <a:t>30/12/2021</a:t>
+              <a:t>28/02/2022</a:t>
             </a:fld>
             <a:endParaRPr lang="en-IL"/>
           </a:p>
@@ -2207,7 +2207,7 @@
           <a:p>
             <a:fld id="{42C2343A-BF2E-4E4B-99FA-FDD616CF880E}" type="datetimeFigureOut">
               <a:rPr lang="en-IL" smtClean="0"/>
-              <a:t>30/12/2021</a:t>
+              <a:t>28/02/2022</a:t>
             </a:fld>
             <a:endParaRPr lang="en-IL"/>
           </a:p>
@@ -2520,7 +2520,7 @@
           <a:p>
             <a:fld id="{42C2343A-BF2E-4E4B-99FA-FDD616CF880E}" type="datetimeFigureOut">
               <a:rPr lang="en-IL" smtClean="0"/>
-              <a:t>30/12/2021</a:t>
+              <a:t>28/02/2022</a:t>
             </a:fld>
             <a:endParaRPr lang="en-IL"/>
           </a:p>
@@ -2809,7 +2809,7 @@
           <a:p>
             <a:fld id="{42C2343A-BF2E-4E4B-99FA-FDD616CF880E}" type="datetimeFigureOut">
               <a:rPr lang="en-IL" smtClean="0"/>
-              <a:t>30/12/2021</a:t>
+              <a:t>28/02/2022</a:t>
             </a:fld>
             <a:endParaRPr lang="en-IL"/>
           </a:p>
@@ -3052,7 +3052,7 @@
           <a:p>
             <a:fld id="{42C2343A-BF2E-4E4B-99FA-FDD616CF880E}" type="datetimeFigureOut">
               <a:rPr lang="en-IL" smtClean="0"/>
-              <a:t>30/12/2021</a:t>
+              <a:t>28/02/2022</a:t>
             </a:fld>
             <a:endParaRPr lang="en-IL"/>
           </a:p>
@@ -7710,6 +7710,36 @@
           <a:fontRef idx="minor"/>
         </p:style>
       </p:sp>
+      <p:pic>
+        <p:nvPicPr>
+          <p:cNvPr id="3" name="Picture 2">
+            <a:extLst>
+              <a:ext uri="{FF2B5EF4-FFF2-40B4-BE49-F238E27FC236}">
+                <a16:creationId xmlns:a16="http://schemas.microsoft.com/office/drawing/2014/main" id="{DF25A40B-F867-FF45-9423-B4C766930342}"/>
+              </a:ext>
+            </a:extLst>
+          </p:cNvPr>
+          <p:cNvPicPr>
+            <a:picLocks noChangeAspect="1"/>
+          </p:cNvPicPr>
+          <p:nvPr/>
+        </p:nvPicPr>
+        <p:blipFill>
+          <a:blip r:embed="rId2"/>
+          <a:stretch>
+            <a:fillRect/>
+          </a:stretch>
+        </p:blipFill>
+        <p:spPr>
+          <a:xfrm>
+            <a:off x="5169192" y="681841"/>
+            <a:ext cx="6053624" cy="5607748"/>
+          </a:xfrm>
+          <a:prstGeom prst="rect">
+            <a:avLst/>
+          </a:prstGeom>
+        </p:spPr>
+      </p:pic>
     </p:spTree>
     <p:extLst>
       <p:ext uri="{BB962C8B-B14F-4D97-AF65-F5344CB8AC3E}">
@@ -12396,8 +12426,8 @@
         </p:nvSpPr>
         <p:spPr>
           <a:xfrm>
-            <a:off x="731880" y="1775520"/>
-            <a:ext cx="10514880" cy="4350600"/>
+            <a:off x="731880" y="1556951"/>
+            <a:ext cx="10514880" cy="4757351"/>
           </a:xfrm>
           <a:prstGeom prst="rect">
             <a:avLst/>
@@ -12434,7 +12464,7 @@
               <a:buChar char="•"/>
             </a:pPr>
             <a:r>
-              <a:rPr lang="en-US" sz="2800" b="0" strike="noStrike" spc="-1">
+              <a:rPr lang="en-US" sz="2800" b="0" strike="noStrike" spc="-1" dirty="0" err="1">
                 <a:solidFill>
                   <a:srgbClr val="000000"/>
                 </a:solidFill>
@@ -12445,9 +12475,23 @@
                 </a:uFill>
                 <a:latin typeface="Calibri"/>
               </a:rPr>
-              <a:t>configMap/Secret</a:t>
-            </a:r>
-            <a:endParaRPr lang="en-US" sz="1800" b="0" strike="noStrike" spc="-1">
+              <a:t>configMap</a:t>
+            </a:r>
+            <a:r>
+              <a:rPr lang="en-US" sz="2800" b="0" strike="noStrike" spc="-1" dirty="0">
+                <a:solidFill>
+                  <a:srgbClr val="000000"/>
+                </a:solidFill>
+                <a:uFill>
+                  <a:solidFill>
+                    <a:srgbClr val="FFFFFF"/>
+                  </a:solidFill>
+                </a:uFill>
+                <a:latin typeface="Calibri"/>
+              </a:rPr>
+              <a:t>/Secret</a:t>
+            </a:r>
+            <a:endParaRPr lang="en-US" sz="1800" b="0" strike="noStrike" spc="-1" dirty="0">
               <a:solidFill>
                 <a:srgbClr val="000000"/>
               </a:solidFill>
@@ -12471,7 +12515,7 @@
               <a:buChar char="•"/>
             </a:pPr>
             <a:r>
-              <a:rPr lang="en-US" sz="2800" b="0" strike="noStrike" spc="-1">
+              <a:rPr lang="en-US" sz="2800" b="0" strike="noStrike" spc="-1" dirty="0">
                 <a:solidFill>
                   <a:srgbClr val="000000"/>
                 </a:solidFill>
@@ -12484,7 +12528,7 @@
               </a:rPr>
               <a:t>projected</a:t>
             </a:r>
-            <a:endParaRPr lang="en-US" sz="1800" b="0" strike="noStrike" spc="-1">
+            <a:endParaRPr lang="en-US" sz="1800" b="0" strike="noStrike" spc="-1" dirty="0">
               <a:solidFill>
                 <a:srgbClr val="000000"/>
               </a:solidFill>
@@ -12508,7 +12552,7 @@
               <a:buChar char="•"/>
             </a:pPr>
             <a:r>
-              <a:rPr lang="en-US" sz="2800" b="0" strike="noStrike" spc="-1">
+              <a:rPr lang="en-US" sz="2800" b="0" strike="noStrike" spc="-1" dirty="0" err="1">
                 <a:solidFill>
                   <a:srgbClr val="000000"/>
                 </a:solidFill>
@@ -12521,7 +12565,7 @@
               </a:rPr>
               <a:t>emptyDir</a:t>
             </a:r>
-            <a:endParaRPr lang="en-US" sz="1800" b="0" strike="noStrike" spc="-1">
+            <a:endParaRPr lang="en-US" sz="1800" b="0" strike="noStrike" spc="-1" dirty="0">
               <a:solidFill>
                 <a:srgbClr val="000000"/>
               </a:solidFill>
@@ -12545,7 +12589,7 @@
               <a:buChar char="•"/>
             </a:pPr>
             <a:r>
-              <a:rPr lang="en-US" sz="2800" b="0" strike="noStrike" spc="-1">
+              <a:rPr lang="en-US" sz="2800" b="0" strike="noStrike" spc="-1" dirty="0" err="1">
                 <a:solidFill>
                   <a:srgbClr val="000000"/>
                 </a:solidFill>
@@ -12558,7 +12602,7 @@
               </a:rPr>
               <a:t>hostPath</a:t>
             </a:r>
-            <a:endParaRPr lang="en-US" sz="1800" b="0" strike="noStrike" spc="-1">
+            <a:endParaRPr lang="en-US" sz="1800" b="0" strike="noStrike" spc="-1" dirty="0">
               <a:solidFill>
                 <a:srgbClr val="000000"/>
               </a:solidFill>
@@ -12582,7 +12626,7 @@
               <a:buChar char="•"/>
             </a:pPr>
             <a:r>
-              <a:rPr lang="en-US" sz="2800" b="0" strike="noStrike" spc="-1">
+              <a:rPr lang="en-US" sz="2800" b="0" strike="noStrike" spc="-1" dirty="0">
                 <a:solidFill>
                   <a:srgbClr val="000000"/>
                 </a:solidFill>
@@ -12595,7 +12639,7 @@
               </a:rPr>
               <a:t>NFS</a:t>
             </a:r>
-            <a:endParaRPr lang="en-US" sz="1800" b="0" strike="noStrike" spc="-1">
+            <a:endParaRPr lang="en-US" sz="1800" b="0" strike="noStrike" spc="-1" dirty="0">
               <a:solidFill>
                 <a:srgbClr val="000000"/>
               </a:solidFill>
@@ -12619,7 +12663,7 @@
               <a:buChar char="•"/>
             </a:pPr>
             <a:r>
-              <a:rPr lang="en-US" sz="2800" b="0" strike="noStrike" spc="-1">
+              <a:rPr lang="en-US" sz="2800" b="0" strike="noStrike" spc="-1" dirty="0">
                 <a:solidFill>
                   <a:srgbClr val="000000"/>
                 </a:solidFill>
@@ -12632,7 +12676,7 @@
               </a:rPr>
               <a:t>CEPH</a:t>
             </a:r>
-            <a:endParaRPr lang="en-US" sz="1800" b="0" strike="noStrike" spc="-1">
+            <a:endParaRPr lang="en-US" sz="1800" b="0" strike="noStrike" spc="-1" dirty="0">
               <a:solidFill>
                 <a:srgbClr val="000000"/>
               </a:solidFill>
@@ -12656,7 +12700,7 @@
               <a:buChar char="•"/>
             </a:pPr>
             <a:r>
-              <a:rPr lang="en-US" sz="2800" b="0" strike="noStrike" spc="-1">
+              <a:rPr lang="en-US" sz="2800" spc="-1" dirty="0" err="1">
                 <a:solidFill>
                   <a:srgbClr val="000000"/>
                 </a:solidFill>
@@ -12667,9 +12711,9 @@
                 </a:uFill>
                 <a:latin typeface="Calibri"/>
               </a:rPr>
-              <a:t>glusterFS</a:t>
-            </a:r>
-            <a:endParaRPr lang="en-US" sz="1800" b="0" strike="noStrike" spc="-1">
+              <a:t>awsElasticBlockStore</a:t>
+            </a:r>
+            <a:endParaRPr lang="en-US" sz="2800" spc="-1" dirty="0">
               <a:solidFill>
                 <a:srgbClr val="000000"/>
               </a:solidFill>
@@ -12678,7 +12722,7 @@
                   <a:srgbClr val="FFFFFF"/>
                 </a:solidFill>
               </a:uFill>
-              <a:latin typeface="Arial"/>
+              <a:latin typeface="Calibri"/>
             </a:endParaRPr>
           </a:p>
           <a:p>
@@ -12693,7 +12737,41 @@
               <a:buChar char="•"/>
             </a:pPr>
             <a:r>
-              <a:rPr lang="en-US" sz="2800" b="0" strike="noStrike" spc="-1">
+              <a:rPr lang="en-US" sz="2800" dirty="0" err="1"/>
+              <a:t>azureDisk</a:t>
+            </a:r>
+            <a:endParaRPr lang="en-US" sz="2800" dirty="0"/>
+          </a:p>
+          <a:p>
+            <a:pPr marL="228600" indent="-227880">
+              <a:lnSpc>
+                <a:spcPct val="90000"/>
+              </a:lnSpc>
+              <a:buClr>
+                <a:srgbClr val="000000"/>
+              </a:buClr>
+              <a:buFont typeface="Arial"/>
+              <a:buChar char="•"/>
+            </a:pPr>
+            <a:r>
+              <a:rPr lang="en-US" sz="2800" dirty="0" err="1"/>
+              <a:t>azureFile</a:t>
+            </a:r>
+            <a:endParaRPr lang="en-US" sz="2800" dirty="0"/>
+          </a:p>
+          <a:p>
+            <a:pPr marL="228600" indent="-227880">
+              <a:lnSpc>
+                <a:spcPct val="90000"/>
+              </a:lnSpc>
+              <a:buClr>
+                <a:srgbClr val="000000"/>
+              </a:buClr>
+              <a:buFont typeface="Arial"/>
+              <a:buChar char="•"/>
+            </a:pPr>
+            <a:r>
+              <a:rPr lang="en-US" sz="2800" spc="-1" dirty="0" err="1">
                 <a:solidFill>
                   <a:srgbClr val="000000"/>
                 </a:solidFill>
@@ -12702,11 +12780,104 @@
                     <a:srgbClr val="FFFFFF"/>
                   </a:solidFill>
                 </a:uFill>
-                <a:latin typeface="Calibri"/>
+              </a:rPr>
+              <a:t>glusterFS</a:t>
+            </a:r>
+            <a:endParaRPr lang="en-US" spc="-1" dirty="0">
+              <a:solidFill>
+                <a:srgbClr val="000000"/>
+              </a:solidFill>
+              <a:uFill>
+                <a:solidFill>
+                  <a:srgbClr val="FFFFFF"/>
+                </a:solidFill>
+              </a:uFill>
+              <a:latin typeface="Arial"/>
+            </a:endParaRPr>
+          </a:p>
+          <a:p>
+            <a:pPr marL="228600" indent="-227880">
+              <a:lnSpc>
+                <a:spcPct val="90000"/>
+              </a:lnSpc>
+              <a:buClr>
+                <a:srgbClr val="000000"/>
+              </a:buClr>
+              <a:buFont typeface="Arial"/>
+              <a:buChar char="•"/>
+            </a:pPr>
+            <a:r>
+              <a:rPr lang="en-US" sz="2800" spc="-1" dirty="0" err="1">
+                <a:solidFill>
+                  <a:srgbClr val="000000"/>
+                </a:solidFill>
+                <a:uFill>
+                  <a:solidFill>
+                    <a:srgbClr val="FFFFFF"/>
+                  </a:solidFill>
+                </a:uFill>
               </a:rPr>
               <a:t>storageOS</a:t>
             </a:r>
-            <a:endParaRPr lang="en-US" sz="1800" b="0" strike="noStrike" spc="-1">
+            <a:endParaRPr lang="en-US" sz="2800" spc="-1" dirty="0">
+              <a:solidFill>
+                <a:srgbClr val="000000"/>
+              </a:solidFill>
+              <a:uFill>
+                <a:solidFill>
+                  <a:srgbClr val="FFFFFF"/>
+                </a:solidFill>
+              </a:uFill>
+            </a:endParaRPr>
+          </a:p>
+          <a:p>
+            <a:pPr marL="228600" indent="-227880">
+              <a:lnSpc>
+                <a:spcPct val="90000"/>
+              </a:lnSpc>
+              <a:buClr>
+                <a:srgbClr val="000000"/>
+              </a:buClr>
+              <a:buFont typeface="Arial"/>
+              <a:buChar char="•"/>
+            </a:pPr>
+            <a:endParaRPr lang="en-US" sz="2800" dirty="0"/>
+          </a:p>
+          <a:p>
+            <a:pPr marL="228600" indent="-227880">
+              <a:lnSpc>
+                <a:spcPct val="90000"/>
+              </a:lnSpc>
+              <a:buClr>
+                <a:srgbClr val="000000"/>
+              </a:buClr>
+              <a:buFont typeface="Arial"/>
+              <a:buChar char="•"/>
+            </a:pPr>
+            <a:endParaRPr lang="en-US" sz="2800" spc="-1" dirty="0">
+              <a:solidFill>
+                <a:srgbClr val="000000"/>
+              </a:solidFill>
+              <a:uFill>
+                <a:solidFill>
+                  <a:srgbClr val="FFFFFF"/>
+                </a:solidFill>
+              </a:uFill>
+              <a:latin typeface="Calibri"/>
+            </a:endParaRPr>
+          </a:p>
+          <a:p>
+            <a:pPr marL="228600" indent="-227880">
+              <a:lnSpc>
+                <a:spcPct val="90000"/>
+              </a:lnSpc>
+              <a:buClr>
+                <a:srgbClr val="000000"/>
+              </a:buClr>
+              <a:buFont typeface="Arial"/>
+              <a:buChar char="•"/>
+            </a:pPr>
+            <a:endParaRPr lang="en-US" sz="1800" b="0" strike="noStrike" spc="-1" dirty="0">
               <a:solidFill>
                 <a:srgbClr val="000000"/>
               </a:solidFill>
@@ -12724,7 +12895,7 @@
                 <a:spcPct val="90000"/>
               </a:lnSpc>
             </a:pPr>
-            <a:endParaRPr lang="en-US" sz="1800" b="0" strike="noStrike" spc="-1">
+            <a:endParaRPr lang="en-US" sz="1800" b="0" strike="noStrike" spc="-1" dirty="0">
               <a:solidFill>
                 <a:srgbClr val="000000"/>
               </a:solidFill>

--- a/day-4/Using Kubernetes Day 4.pptx
+++ b/day-4/Using Kubernetes Day 4.pptx
@@ -4921,7 +4921,7 @@
               </a:lnSpc>
             </a:pPr>
             <a:r>
-              <a:rPr lang="en-US" sz="2200" b="1" strike="noStrike" spc="-1">
+              <a:rPr lang="en-US" sz="2200" b="1" strike="noStrike" spc="-1" dirty="0">
                 <a:solidFill>
                   <a:srgbClr val="000000"/>
                 </a:solidFill>
@@ -4933,12 +4933,12 @@
                 <a:latin typeface="Courier New"/>
                 <a:ea typeface="DejaVu Sans"/>
               </a:rPr>
-              <a:t>$ kubectl create –f </a:t>
-            </a:r>
-            <a:r>
-              <a:rPr lang="en-US" sz="2200" b="1" strike="noStrike" spc="-1">
-                <a:solidFill>
-                  <a:srgbClr val="843C0B"/>
+              <a:t>$ </a:t>
+            </a:r>
+            <a:r>
+              <a:rPr lang="en-US" sz="2200" b="1" strike="noStrike" spc="-1" dirty="0" err="1">
+                <a:solidFill>
+                  <a:srgbClr val="000000"/>
                 </a:solidFill>
                 <a:uFill>
                   <a:solidFill>
@@ -4948,28 +4948,10 @@
                 <a:latin typeface="Courier New"/>
                 <a:ea typeface="DejaVu Sans"/>
               </a:rPr>
-              <a:t>my-secret.yaml</a:t>
-            </a:r>
-            <a:endParaRPr lang="en-US" sz="1800" b="0" strike="noStrike" spc="-1">
-              <a:solidFill>
-                <a:srgbClr val="000000"/>
-              </a:solidFill>
-              <a:uFill>
-                <a:solidFill>
-                  <a:srgbClr val="FFFFFF"/>
-                </a:solidFill>
-              </a:uFill>
-              <a:latin typeface="Arial"/>
-            </a:endParaRPr>
-          </a:p>
-          <a:p>
-            <a:pPr>
-              <a:lnSpc>
-                <a:spcPct val="100000"/>
-              </a:lnSpc>
-            </a:pPr>
-            <a:r>
-              <a:rPr lang="en-US" sz="2200" b="1" strike="noStrike" spc="-1">
+              <a:t>kubectl</a:t>
+            </a:r>
+            <a:r>
+              <a:rPr lang="en-US" sz="2200" b="1" strike="noStrike" spc="-1" dirty="0">
                 <a:solidFill>
                   <a:srgbClr val="000000"/>
                 </a:solidFill>
@@ -4981,9 +4963,177 @@
                 <a:latin typeface="Courier New"/>
                 <a:ea typeface="DejaVu Sans"/>
               </a:rPr>
-              <a:t>$ kubectl create secret generic mysecret --from-file=secret.key</a:t>
-            </a:r>
-            <a:endParaRPr lang="en-US" sz="1800" b="0" strike="noStrike" spc="-1">
+              <a:t> </a:t>
+            </a:r>
+            <a:r>
+              <a:rPr lang="en-US" sz="2200" b="1" spc="-1" dirty="0">
+                <a:solidFill>
+                  <a:srgbClr val="000000"/>
+                </a:solidFill>
+                <a:uFill>
+                  <a:solidFill>
+                    <a:srgbClr val="FFFFFF"/>
+                  </a:solidFill>
+                </a:uFill>
+                <a:latin typeface="Courier New"/>
+                <a:ea typeface="DejaVu Sans"/>
+              </a:rPr>
+              <a:t>apply </a:t>
+            </a:r>
+            <a:r>
+              <a:rPr lang="en-US" sz="2200" b="1" strike="noStrike" spc="-1" dirty="0">
+                <a:solidFill>
+                  <a:srgbClr val="000000"/>
+                </a:solidFill>
+                <a:uFill>
+                  <a:solidFill>
+                    <a:srgbClr val="FFFFFF"/>
+                  </a:solidFill>
+                </a:uFill>
+                <a:latin typeface="Courier New"/>
+                <a:ea typeface="DejaVu Sans"/>
+              </a:rPr>
+              <a:t>–f </a:t>
+            </a:r>
+            <a:r>
+              <a:rPr lang="en-US" sz="2200" b="1" strike="noStrike" spc="-1" dirty="0">
+                <a:solidFill>
+                  <a:srgbClr val="843C0B"/>
+                </a:solidFill>
+                <a:uFill>
+                  <a:solidFill>
+                    <a:srgbClr val="FFFFFF"/>
+                  </a:solidFill>
+                </a:uFill>
+                <a:latin typeface="Courier New"/>
+                <a:ea typeface="DejaVu Sans"/>
+              </a:rPr>
+              <a:t>my-</a:t>
+            </a:r>
+            <a:r>
+              <a:rPr lang="en-US" sz="2200" b="1" strike="noStrike" spc="-1" dirty="0" err="1">
+                <a:solidFill>
+                  <a:srgbClr val="843C0B"/>
+                </a:solidFill>
+                <a:uFill>
+                  <a:solidFill>
+                    <a:srgbClr val="FFFFFF"/>
+                  </a:solidFill>
+                </a:uFill>
+                <a:latin typeface="Courier New"/>
+                <a:ea typeface="DejaVu Sans"/>
+              </a:rPr>
+              <a:t>secret.yaml</a:t>
+            </a:r>
+            <a:endParaRPr lang="en-US" sz="1800" b="0" strike="noStrike" spc="-1" dirty="0">
+              <a:solidFill>
+                <a:srgbClr val="000000"/>
+              </a:solidFill>
+              <a:uFill>
+                <a:solidFill>
+                  <a:srgbClr val="FFFFFF"/>
+                </a:solidFill>
+              </a:uFill>
+              <a:latin typeface="Arial"/>
+            </a:endParaRPr>
+          </a:p>
+          <a:p>
+            <a:pPr>
+              <a:lnSpc>
+                <a:spcPct val="100000"/>
+              </a:lnSpc>
+            </a:pPr>
+            <a:r>
+              <a:rPr lang="en-US" sz="2200" b="1" strike="noStrike" spc="-1" dirty="0">
+                <a:solidFill>
+                  <a:srgbClr val="000000"/>
+                </a:solidFill>
+                <a:uFill>
+                  <a:solidFill>
+                    <a:srgbClr val="FFFFFF"/>
+                  </a:solidFill>
+                </a:uFill>
+                <a:latin typeface="Courier New"/>
+                <a:ea typeface="DejaVu Sans"/>
+              </a:rPr>
+              <a:t>$ </a:t>
+            </a:r>
+            <a:r>
+              <a:rPr lang="en-US" sz="2200" b="1" strike="noStrike" spc="-1" dirty="0" err="1">
+                <a:solidFill>
+                  <a:srgbClr val="000000"/>
+                </a:solidFill>
+                <a:uFill>
+                  <a:solidFill>
+                    <a:srgbClr val="FFFFFF"/>
+                  </a:solidFill>
+                </a:uFill>
+                <a:latin typeface="Courier New"/>
+                <a:ea typeface="DejaVu Sans"/>
+              </a:rPr>
+              <a:t>kubectl</a:t>
+            </a:r>
+            <a:r>
+              <a:rPr lang="en-US" sz="2200" b="1" strike="noStrike" spc="-1" dirty="0">
+                <a:solidFill>
+                  <a:srgbClr val="000000"/>
+                </a:solidFill>
+                <a:uFill>
+                  <a:solidFill>
+                    <a:srgbClr val="FFFFFF"/>
+                  </a:solidFill>
+                </a:uFill>
+                <a:latin typeface="Courier New"/>
+                <a:ea typeface="DejaVu Sans"/>
+              </a:rPr>
+              <a:t> create secret generic </a:t>
+            </a:r>
+            <a:r>
+              <a:rPr lang="en-US" sz="2200" b="1" strike="noStrike" spc="-1" dirty="0" err="1">
+                <a:solidFill>
+                  <a:srgbClr val="000000"/>
+                </a:solidFill>
+                <a:uFill>
+                  <a:solidFill>
+                    <a:srgbClr val="FFFFFF"/>
+                  </a:solidFill>
+                </a:uFill>
+                <a:latin typeface="Courier New"/>
+                <a:ea typeface="DejaVu Sans"/>
+              </a:rPr>
+              <a:t>mysecret</a:t>
+            </a:r>
+            <a:r>
+              <a:rPr lang="en-US" sz="2200" b="1" strike="noStrike" spc="-1" dirty="0">
+                <a:solidFill>
+                  <a:srgbClr val="000000"/>
+                </a:solidFill>
+                <a:uFill>
+                  <a:solidFill>
+                    <a:srgbClr val="FFFFFF"/>
+                  </a:solidFill>
+                </a:uFill>
+                <a:latin typeface="Courier New"/>
+                <a:ea typeface="DejaVu Sans"/>
+              </a:rPr>
+              <a:t> --from-file=</a:t>
+            </a:r>
+            <a:r>
+              <a:rPr lang="en-US" sz="2200" b="1" strike="noStrike" spc="-1" dirty="0" err="1">
+                <a:solidFill>
+                  <a:srgbClr val="000000"/>
+                </a:solidFill>
+                <a:uFill>
+                  <a:solidFill>
+                    <a:srgbClr val="FFFFFF"/>
+                  </a:solidFill>
+                </a:uFill>
+                <a:latin typeface="Courier New"/>
+                <a:ea typeface="DejaVu Sans"/>
+              </a:rPr>
+              <a:t>secret.key</a:t>
+            </a:r>
+            <a:endParaRPr lang="en-US" sz="1800" b="0" strike="noStrike" spc="-1" dirty="0">
               <a:solidFill>
                 <a:srgbClr val="000000"/>
               </a:solidFill>
@@ -13196,7 +13346,7 @@
               </a:lnSpc>
             </a:pPr>
             <a:r>
-              <a:rPr lang="en-US" sz="2200" b="1" strike="noStrike" spc="-1">
+              <a:rPr lang="en-US" sz="2200" b="1" strike="noStrike" spc="-1" dirty="0">
                 <a:solidFill>
                   <a:srgbClr val="000000"/>
                 </a:solidFill>
@@ -13208,12 +13358,12 @@
                 <a:latin typeface="Courier New"/>
                 <a:ea typeface="DejaVu Sans"/>
               </a:rPr>
-              <a:t>$ kubectl create –f </a:t>
-            </a:r>
-            <a:r>
-              <a:rPr lang="en-US" sz="2200" b="1" strike="noStrike" spc="-1">
-                <a:solidFill>
-                  <a:srgbClr val="843C0B"/>
+              <a:t>$ </a:t>
+            </a:r>
+            <a:r>
+              <a:rPr lang="en-US" sz="2200" b="1" strike="noStrike" spc="-1" dirty="0" err="1">
+                <a:solidFill>
+                  <a:srgbClr val="000000"/>
                 </a:solidFill>
                 <a:uFill>
                   <a:solidFill>
@@ -13223,28 +13373,10 @@
                 <a:latin typeface="Courier New"/>
                 <a:ea typeface="DejaVu Sans"/>
               </a:rPr>
-              <a:t>my-config.yaml</a:t>
-            </a:r>
-            <a:endParaRPr lang="en-US" sz="1800" b="0" strike="noStrike" spc="-1">
-              <a:solidFill>
-                <a:srgbClr val="000000"/>
-              </a:solidFill>
-              <a:uFill>
-                <a:solidFill>
-                  <a:srgbClr val="FFFFFF"/>
-                </a:solidFill>
-              </a:uFill>
-              <a:latin typeface="Arial"/>
-            </a:endParaRPr>
-          </a:p>
-          <a:p>
-            <a:pPr>
-              <a:lnSpc>
-                <a:spcPct val="100000"/>
-              </a:lnSpc>
-            </a:pPr>
-            <a:r>
-              <a:rPr lang="en-US" sz="2200" b="1" strike="noStrike" spc="-1">
+              <a:t>kubectl</a:t>
+            </a:r>
+            <a:r>
+              <a:rPr lang="en-US" sz="2200" b="1" strike="noStrike" spc="-1" dirty="0">
                 <a:solidFill>
                   <a:srgbClr val="000000"/>
                 </a:solidFill>
@@ -13256,9 +13388,147 @@
                 <a:latin typeface="Courier New"/>
                 <a:ea typeface="DejaVu Sans"/>
               </a:rPr>
-              <a:t>$ kubectl create configmap --from-file=example.property.file</a:t>
-            </a:r>
-            <a:endParaRPr lang="en-US" sz="1800" b="0" strike="noStrike" spc="-1">
+              <a:t> apply –f </a:t>
+            </a:r>
+            <a:r>
+              <a:rPr lang="en-US" sz="2200" b="1" strike="noStrike" spc="-1" dirty="0">
+                <a:solidFill>
+                  <a:srgbClr val="843C0B"/>
+                </a:solidFill>
+                <a:uFill>
+                  <a:solidFill>
+                    <a:srgbClr val="FFFFFF"/>
+                  </a:solidFill>
+                </a:uFill>
+                <a:latin typeface="Courier New"/>
+                <a:ea typeface="DejaVu Sans"/>
+              </a:rPr>
+              <a:t>my-</a:t>
+            </a:r>
+            <a:r>
+              <a:rPr lang="en-US" sz="2200" b="1" strike="noStrike" spc="-1" dirty="0" err="1">
+                <a:solidFill>
+                  <a:srgbClr val="843C0B"/>
+                </a:solidFill>
+                <a:uFill>
+                  <a:solidFill>
+                    <a:srgbClr val="FFFFFF"/>
+                  </a:solidFill>
+                </a:uFill>
+                <a:latin typeface="Courier New"/>
+                <a:ea typeface="DejaVu Sans"/>
+              </a:rPr>
+              <a:t>config.yaml</a:t>
+            </a:r>
+            <a:endParaRPr lang="en-US" sz="1800" b="0" strike="noStrike" spc="-1" dirty="0">
+              <a:solidFill>
+                <a:srgbClr val="000000"/>
+              </a:solidFill>
+              <a:uFill>
+                <a:solidFill>
+                  <a:srgbClr val="FFFFFF"/>
+                </a:solidFill>
+              </a:uFill>
+              <a:latin typeface="Arial"/>
+            </a:endParaRPr>
+          </a:p>
+          <a:p>
+            <a:pPr>
+              <a:lnSpc>
+                <a:spcPct val="100000"/>
+              </a:lnSpc>
+            </a:pPr>
+            <a:r>
+              <a:rPr lang="en-US" sz="2200" b="1" strike="noStrike" spc="-1" dirty="0">
+                <a:solidFill>
+                  <a:srgbClr val="000000"/>
+                </a:solidFill>
+                <a:uFill>
+                  <a:solidFill>
+                    <a:srgbClr val="FFFFFF"/>
+                  </a:solidFill>
+                </a:uFill>
+                <a:latin typeface="Courier New"/>
+                <a:ea typeface="DejaVu Sans"/>
+              </a:rPr>
+              <a:t>$ </a:t>
+            </a:r>
+            <a:r>
+              <a:rPr lang="en-US" sz="2200" b="1" strike="noStrike" spc="-1" dirty="0" err="1">
+                <a:solidFill>
+                  <a:srgbClr val="000000"/>
+                </a:solidFill>
+                <a:uFill>
+                  <a:solidFill>
+                    <a:srgbClr val="FFFFFF"/>
+                  </a:solidFill>
+                </a:uFill>
+                <a:latin typeface="Courier New"/>
+                <a:ea typeface="DejaVu Sans"/>
+              </a:rPr>
+              <a:t>kubectl</a:t>
+            </a:r>
+            <a:r>
+              <a:rPr lang="en-US" sz="2200" b="1" strike="noStrike" spc="-1" dirty="0">
+                <a:solidFill>
+                  <a:srgbClr val="000000"/>
+                </a:solidFill>
+                <a:uFill>
+                  <a:solidFill>
+                    <a:srgbClr val="FFFFFF"/>
+                  </a:solidFill>
+                </a:uFill>
+                <a:latin typeface="Courier New"/>
+                <a:ea typeface="DejaVu Sans"/>
+              </a:rPr>
+              <a:t> create </a:t>
+            </a:r>
+            <a:r>
+              <a:rPr lang="en-US" sz="2200" b="1" strike="noStrike" spc="-1" dirty="0" err="1">
+                <a:solidFill>
+                  <a:srgbClr val="000000"/>
+                </a:solidFill>
+                <a:uFill>
+                  <a:solidFill>
+                    <a:srgbClr val="FFFFFF"/>
+                  </a:solidFill>
+                </a:uFill>
+                <a:latin typeface="Courier New"/>
+                <a:ea typeface="DejaVu Sans"/>
+              </a:rPr>
+              <a:t>configmap</a:t>
+            </a:r>
+            <a:r>
+              <a:rPr lang="en-US" sz="2200" b="1" strike="noStrike" spc="-1" dirty="0">
+                <a:solidFill>
+                  <a:srgbClr val="000000"/>
+                </a:solidFill>
+                <a:uFill>
+                  <a:solidFill>
+                    <a:srgbClr val="FFFFFF"/>
+                  </a:solidFill>
+                </a:uFill>
+                <a:latin typeface="Courier New"/>
+                <a:ea typeface="DejaVu Sans"/>
+              </a:rPr>
+              <a:t> --from-file=</a:t>
+            </a:r>
+            <a:r>
+              <a:rPr lang="en-US" sz="2200" b="1" strike="noStrike" spc="-1" dirty="0" err="1">
+                <a:solidFill>
+                  <a:srgbClr val="000000"/>
+                </a:solidFill>
+                <a:uFill>
+                  <a:solidFill>
+                    <a:srgbClr val="FFFFFF"/>
+                  </a:solidFill>
+                </a:uFill>
+                <a:latin typeface="Courier New"/>
+                <a:ea typeface="DejaVu Sans"/>
+              </a:rPr>
+              <a:t>example.property.file</a:t>
+            </a:r>
+            <a:endParaRPr lang="en-US" sz="1800" b="0" strike="noStrike" spc="-1" dirty="0">
               <a:solidFill>
                 <a:srgbClr val="000000"/>
               </a:solidFill>

--- a/day-4/Using Kubernetes Day 4.pptx
+++ b/day-4/Using Kubernetes Day 4.pptx
@@ -4459,7 +4459,7 @@
               </a:lnSpc>
             </a:pPr>
             <a:r>
-              <a:rPr lang="en-US" sz="1800" b="0" strike="noStrike" spc="-1">
+              <a:rPr lang="en-US" sz="1800" b="0" strike="noStrike" spc="-1" dirty="0" err="1">
                 <a:solidFill>
                   <a:srgbClr val="FFFFFF"/>
                 </a:solidFill>
@@ -4470,9 +4470,23 @@
                 </a:uFill>
                 <a:latin typeface="Calibri"/>
               </a:rPr>
-              <a:t>navivi/lets-chat-app:v1</a:t>
-            </a:r>
-            <a:endParaRPr lang="en-US" sz="1800" b="0" strike="noStrike" spc="-1">
+              <a:t>eylonmalin</a:t>
+            </a:r>
+            <a:r>
+              <a:rPr lang="en-US" sz="1800" b="0" strike="noStrike" spc="-1" dirty="0">
+                <a:solidFill>
+                  <a:srgbClr val="FFFFFF"/>
+                </a:solidFill>
+                <a:uFill>
+                  <a:solidFill>
+                    <a:srgbClr val="FFFFFF"/>
+                  </a:solidFill>
+                </a:uFill>
+                <a:latin typeface="Calibri"/>
+              </a:rPr>
+              <a:t>/lets-chat-app:v1</a:t>
+            </a:r>
+            <a:endParaRPr lang="en-US" sz="1800" b="0" strike="noStrike" spc="-1" dirty="0">
               <a:solidFill>
                 <a:srgbClr val="000000"/>
               </a:solidFill>
@@ -5939,7 +5953,33 @@
               </a:lnSpc>
             </a:pPr>
             <a:r>
-              <a:rPr lang="en-US" sz="1800" b="0" strike="noStrike" spc="-1">
+              <a:rPr lang="en-US" spc="-1" dirty="0" err="1">
+                <a:solidFill>
+                  <a:srgbClr val="FFFFFF"/>
+                </a:solidFill>
+                <a:uFill>
+                  <a:solidFill>
+                    <a:srgbClr val="FFFFFF"/>
+                  </a:solidFill>
+                </a:uFill>
+              </a:rPr>
+              <a:t>eylonmalin</a:t>
+            </a:r>
+            <a:r>
+              <a:rPr lang="en-US" spc="-1" dirty="0">
+                <a:solidFill>
+                  <a:srgbClr val="FFFFFF"/>
+                </a:solidFill>
+                <a:uFill>
+                  <a:solidFill>
+                    <a:srgbClr val="FFFFFF"/>
+                  </a:solidFill>
+                </a:uFill>
+              </a:rPr>
+              <a:t>/</a:t>
+            </a:r>
+            <a:r>
+              <a:rPr lang="en-US" sz="1800" b="0" strike="noStrike" spc="-1" dirty="0">
                 <a:solidFill>
                   <a:srgbClr val="FFFFFF"/>
                 </a:solidFill>
@@ -5950,9 +5990,9 @@
                 </a:uFill>
                 <a:latin typeface="Calibri"/>
               </a:rPr>
-              <a:t>navivi/lets-chat-app:v1</a:t>
-            </a:r>
-            <a:endParaRPr lang="en-US" sz="1800" b="0" strike="noStrike" spc="-1">
+              <a:t>lets-chat-app:v1</a:t>
+            </a:r>
+            <a:endParaRPr lang="en-US" sz="1800" b="0" strike="noStrike" spc="-1" dirty="0">
               <a:solidFill>
                 <a:srgbClr val="000000"/>
               </a:solidFill>
@@ -7333,7 +7373,33 @@
               </a:lnSpc>
             </a:pPr>
             <a:r>
-              <a:rPr lang="en-US" sz="1800" b="0" strike="noStrike" spc="-1">
+              <a:rPr lang="en-US" spc="-1" dirty="0" err="1">
+                <a:solidFill>
+                  <a:srgbClr val="FFFFFF"/>
+                </a:solidFill>
+                <a:uFill>
+                  <a:solidFill>
+                    <a:srgbClr val="FFFFFF"/>
+                  </a:solidFill>
+                </a:uFill>
+              </a:rPr>
+              <a:t>eylonmalin</a:t>
+            </a:r>
+            <a:r>
+              <a:rPr lang="en-US" spc="-1" dirty="0">
+                <a:solidFill>
+                  <a:srgbClr val="FFFFFF"/>
+                </a:solidFill>
+                <a:uFill>
+                  <a:solidFill>
+                    <a:srgbClr val="FFFFFF"/>
+                  </a:solidFill>
+                </a:uFill>
+              </a:rPr>
+              <a:t>/</a:t>
+            </a:r>
+            <a:r>
+              <a:rPr lang="en-US" sz="1800" b="0" strike="noStrike" spc="-1" dirty="0">
                 <a:solidFill>
                   <a:srgbClr val="FFFFFF"/>
                 </a:solidFill>
@@ -7344,9 +7410,9 @@
                 </a:uFill>
                 <a:latin typeface="Calibri"/>
               </a:rPr>
-              <a:t>navivi/lets-chat-app:v1</a:t>
-            </a:r>
-            <a:endParaRPr lang="en-US" sz="1800" b="0" strike="noStrike" spc="-1">
+              <a:t>lets-chat-app:v1</a:t>
+            </a:r>
+            <a:endParaRPr lang="en-US" sz="1800" b="0" strike="noStrike" spc="-1" dirty="0">
               <a:solidFill>
                 <a:srgbClr val="000000"/>
               </a:solidFill>
@@ -8274,7 +8340,7 @@
               </a:lnSpc>
             </a:pPr>
             <a:r>
-              <a:rPr lang="en-US" sz="1800" b="0" strike="noStrike" spc="-1">
+              <a:rPr lang="en-US" sz="1800" b="0" strike="noStrike" spc="-1" dirty="0" err="1">
                 <a:solidFill>
                   <a:srgbClr val="FFFFFF"/>
                 </a:solidFill>
@@ -8285,9 +8351,23 @@
                 </a:uFill>
                 <a:latin typeface="Calibri"/>
               </a:rPr>
-              <a:t>navivi/lets-chat-web:v1</a:t>
-            </a:r>
-            <a:endParaRPr lang="en-US" sz="1800" b="0" strike="noStrike" spc="-1">
+              <a:t>eylonmalin</a:t>
+            </a:r>
+            <a:r>
+              <a:rPr lang="en-US" sz="1800" b="0" strike="noStrike" spc="-1" dirty="0">
+                <a:solidFill>
+                  <a:srgbClr val="FFFFFF"/>
+                </a:solidFill>
+                <a:uFill>
+                  <a:solidFill>
+                    <a:srgbClr val="FFFFFF"/>
+                  </a:solidFill>
+                </a:uFill>
+                <a:latin typeface="Calibri"/>
+              </a:rPr>
+              <a:t>/lets-chat-web:v1</a:t>
+            </a:r>
+            <a:endParaRPr lang="en-US" sz="1800" b="0" strike="noStrike" spc="-1" dirty="0">
               <a:solidFill>
                 <a:srgbClr val="000000"/>
               </a:solidFill>

--- a/day-4/Using Kubernetes Day 4.pptx
+++ b/day-4/Using Kubernetes Day 4.pptx
@@ -23,6 +23,7 @@
     <p:sldId id="299" r:id="rId17"/>
     <p:sldId id="300" r:id="rId18"/>
     <p:sldId id="301" r:id="rId19"/>
+    <p:sldId id="302" r:id="rId20"/>
   </p:sldIdLst>
   <p:sldSz cx="12192000" cy="6858000"/>
   <p:notesSz cx="6858000" cy="9144000"/>
@@ -278,7 +279,7 @@
           <a:p>
             <a:fld id="{42C2343A-BF2E-4E4B-99FA-FDD616CF880E}" type="datetimeFigureOut">
               <a:rPr lang="en-IL" smtClean="0"/>
-              <a:t>28/02/2022</a:t>
+              <a:t>08/03/2022</a:t>
             </a:fld>
             <a:endParaRPr lang="en-IL"/>
           </a:p>
@@ -478,7 +479,7 @@
           <a:p>
             <a:fld id="{42C2343A-BF2E-4E4B-99FA-FDD616CF880E}" type="datetimeFigureOut">
               <a:rPr lang="en-IL" smtClean="0"/>
-              <a:t>28/02/2022</a:t>
+              <a:t>08/03/2022</a:t>
             </a:fld>
             <a:endParaRPr lang="en-IL"/>
           </a:p>
@@ -688,7 +689,7 @@
           <a:p>
             <a:fld id="{42C2343A-BF2E-4E4B-99FA-FDD616CF880E}" type="datetimeFigureOut">
               <a:rPr lang="en-IL" smtClean="0"/>
-              <a:t>28/02/2022</a:t>
+              <a:t>08/03/2022</a:t>
             </a:fld>
             <a:endParaRPr lang="en-IL"/>
           </a:p>
@@ -993,7 +994,7 @@
           <a:p>
             <a:fld id="{42C2343A-BF2E-4E4B-99FA-FDD616CF880E}" type="datetimeFigureOut">
               <a:rPr lang="en-IL" smtClean="0"/>
-              <a:t>28/02/2022</a:t>
+              <a:t>08/03/2022</a:t>
             </a:fld>
             <a:endParaRPr lang="en-IL"/>
           </a:p>
@@ -1269,7 +1270,7 @@
           <a:p>
             <a:fld id="{42C2343A-BF2E-4E4B-99FA-FDD616CF880E}" type="datetimeFigureOut">
               <a:rPr lang="en-IL" smtClean="0"/>
-              <a:t>28/02/2022</a:t>
+              <a:t>08/03/2022</a:t>
             </a:fld>
             <a:endParaRPr lang="en-IL"/>
           </a:p>
@@ -1537,7 +1538,7 @@
           <a:p>
             <a:fld id="{42C2343A-BF2E-4E4B-99FA-FDD616CF880E}" type="datetimeFigureOut">
               <a:rPr lang="en-IL" smtClean="0"/>
-              <a:t>28/02/2022</a:t>
+              <a:t>08/03/2022</a:t>
             </a:fld>
             <a:endParaRPr lang="en-IL"/>
           </a:p>
@@ -1952,7 +1953,7 @@
           <a:p>
             <a:fld id="{42C2343A-BF2E-4E4B-99FA-FDD616CF880E}" type="datetimeFigureOut">
               <a:rPr lang="en-IL" smtClean="0"/>
-              <a:t>28/02/2022</a:t>
+              <a:t>08/03/2022</a:t>
             </a:fld>
             <a:endParaRPr lang="en-IL"/>
           </a:p>
@@ -2094,7 +2095,7 @@
           <a:p>
             <a:fld id="{42C2343A-BF2E-4E4B-99FA-FDD616CF880E}" type="datetimeFigureOut">
               <a:rPr lang="en-IL" smtClean="0"/>
-              <a:t>28/02/2022</a:t>
+              <a:t>08/03/2022</a:t>
             </a:fld>
             <a:endParaRPr lang="en-IL"/>
           </a:p>
@@ -2207,7 +2208,7 @@
           <a:p>
             <a:fld id="{42C2343A-BF2E-4E4B-99FA-FDD616CF880E}" type="datetimeFigureOut">
               <a:rPr lang="en-IL" smtClean="0"/>
-              <a:t>28/02/2022</a:t>
+              <a:t>08/03/2022</a:t>
             </a:fld>
             <a:endParaRPr lang="en-IL"/>
           </a:p>
@@ -2520,7 +2521,7 @@
           <a:p>
             <a:fld id="{42C2343A-BF2E-4E4B-99FA-FDD616CF880E}" type="datetimeFigureOut">
               <a:rPr lang="en-IL" smtClean="0"/>
-              <a:t>28/02/2022</a:t>
+              <a:t>08/03/2022</a:t>
             </a:fld>
             <a:endParaRPr lang="en-IL"/>
           </a:p>
@@ -2809,7 +2810,7 @@
           <a:p>
             <a:fld id="{42C2343A-BF2E-4E4B-99FA-FDD616CF880E}" type="datetimeFigureOut">
               <a:rPr lang="en-IL" smtClean="0"/>
-              <a:t>28/02/2022</a:t>
+              <a:t>08/03/2022</a:t>
             </a:fld>
             <a:endParaRPr lang="en-IL"/>
           </a:p>
@@ -3052,7 +3053,7 @@
           <a:p>
             <a:fld id="{42C2343A-BF2E-4E4B-99FA-FDD616CF880E}" type="datetimeFigureOut">
               <a:rPr lang="en-IL" smtClean="0"/>
-              <a:t>28/02/2022</a:t>
+              <a:t>08/03/2022</a:t>
             </a:fld>
             <a:endParaRPr lang="en-IL"/>
           </a:p>
@@ -9632,6 +9633,206 @@
     <p:extLst>
       <p:ext uri="{BB962C8B-B14F-4D97-AF65-F5344CB8AC3E}">
         <p14:creationId xmlns:p14="http://schemas.microsoft.com/office/powerpoint/2010/main" val="3498726630"/>
+      </p:ext>
+    </p:extLst>
+  </p:cSld>
+  <p:clrMapOvr>
+    <a:masterClrMapping/>
+  </p:clrMapOvr>
+  <p:timing>
+    <p:tnLst>
+      <p:par>
+        <p:cTn id="1" dur="indefinite" restart="never" nodeType="tmRoot">
+          <p:childTnLst>
+            <p:seq>
+              <p:cTn id="2" nodeType="mainSeq"/>
+              <p:prevCondLst>
+                <p:cond evt="onPrev" delay="0">
+                  <p:tgtEl>
+                    <p:sldTgt/>
+                  </p:tgtEl>
+                </p:cond>
+              </p:prevCondLst>
+              <p:nextCondLst>
+                <p:cond evt="onNext" delay="0">
+                  <p:tgtEl>
+                    <p:sldTgt/>
+                  </p:tgtEl>
+                </p:cond>
+              </p:nextCondLst>
+            </p:seq>
+          </p:childTnLst>
+        </p:cTn>
+      </p:par>
+    </p:tnLst>
+  </p:timing>
+</p:sld>
+</file>
+
+<file path=ppt/slides/slide19.xml><?xml version="1.0" encoding="utf-8"?>
+<p:sld xmlns:a="http://schemas.openxmlformats.org/drawingml/2006/main" xmlns:r="http://schemas.openxmlformats.org/officeDocument/2006/relationships" xmlns:p="http://schemas.openxmlformats.org/presentationml/2006/main">
+  <p:cSld>
+    <p:spTree>
+      <p:nvGrpSpPr>
+        <p:cNvPr id="1" name=""/>
+        <p:cNvGrpSpPr/>
+        <p:nvPr/>
+      </p:nvGrpSpPr>
+      <p:grpSpPr>
+        <a:xfrm>
+          <a:off x="0" y="0"/>
+          <a:ext cx="0" cy="0"/>
+          <a:chOff x="0" y="0"/>
+          <a:chExt cx="0" cy="0"/>
+        </a:xfrm>
+      </p:grpSpPr>
+      <p:sp>
+        <p:nvSpPr>
+          <p:cNvPr id="455" name="CustomShape 1"/>
+          <p:cNvSpPr/>
+          <p:nvPr/>
+        </p:nvSpPr>
+        <p:spPr>
+          <a:xfrm>
+            <a:off x="838080" y="365040"/>
+            <a:ext cx="10514880" cy="1324800"/>
+          </a:xfrm>
+          <a:prstGeom prst="rect">
+            <a:avLst/>
+          </a:prstGeom>
+          <a:noFill/>
+          <a:ln>
+            <a:noFill/>
+          </a:ln>
+        </p:spPr>
+        <p:style>
+          <a:lnRef idx="0">
+            <a:scrgbClr r="0" g="0" b="0"/>
+          </a:lnRef>
+          <a:fillRef idx="0">
+            <a:scrgbClr r="0" g="0" b="0"/>
+          </a:fillRef>
+          <a:effectRef idx="0">
+            <a:scrgbClr r="0" g="0" b="0"/>
+          </a:effectRef>
+          <a:fontRef idx="minor"/>
+        </p:style>
+        <p:txBody>
+          <a:bodyPr lIns="90000" tIns="45000" rIns="90000" bIns="45000" anchor="ctr"/>
+          <a:lstStyle/>
+          <a:p>
+            <a:pPr>
+              <a:lnSpc>
+                <a:spcPct val="90000"/>
+              </a:lnSpc>
+            </a:pPr>
+            <a:r>
+              <a:rPr lang="en-US" sz="4000" b="0" strike="noStrike" spc="-1">
+                <a:solidFill>
+                  <a:srgbClr val="000000"/>
+                </a:solidFill>
+                <a:uFill>
+                  <a:solidFill>
+                    <a:srgbClr val="FFFFFF"/>
+                  </a:solidFill>
+                </a:uFill>
+                <a:latin typeface="Calibri Light"/>
+              </a:rPr>
+              <a:t>Volume – Persistent Volume Claim (PVC)</a:t>
+            </a:r>
+            <a:endParaRPr lang="en-US" sz="4000" b="0" strike="noStrike" spc="-1" dirty="0">
+              <a:solidFill>
+                <a:srgbClr val="000000"/>
+              </a:solidFill>
+              <a:uFill>
+                <a:solidFill>
+                  <a:srgbClr val="FFFFFF"/>
+                </a:solidFill>
+              </a:uFill>
+              <a:latin typeface="Arial"/>
+            </a:endParaRPr>
+          </a:p>
+        </p:txBody>
+      </p:sp>
+      <p:pic>
+        <p:nvPicPr>
+          <p:cNvPr id="5" name="Picture 4">
+            <a:extLst>
+              <a:ext uri="{FF2B5EF4-FFF2-40B4-BE49-F238E27FC236}">
+                <a16:creationId xmlns:a16="http://schemas.microsoft.com/office/drawing/2014/main" id="{57D5AB8A-25B7-CD4D-A3E3-25A1AA91105E}"/>
+              </a:ext>
+            </a:extLst>
+          </p:cNvPr>
+          <p:cNvPicPr>
+            <a:picLocks noChangeAspect="1"/>
+          </p:cNvPicPr>
+          <p:nvPr/>
+        </p:nvPicPr>
+        <p:blipFill>
+          <a:blip r:embed="rId2"/>
+          <a:stretch>
+            <a:fillRect/>
+          </a:stretch>
+        </p:blipFill>
+        <p:spPr>
+          <a:xfrm>
+            <a:off x="5947069" y="1689840"/>
+            <a:ext cx="4322001" cy="4909458"/>
+          </a:xfrm>
+          <a:prstGeom prst="rect">
+            <a:avLst/>
+          </a:prstGeom>
+          <a:solidFill>
+            <a:schemeClr val="bg2">
+              <a:lumMod val="90000"/>
+            </a:schemeClr>
+          </a:solidFill>
+          <a:ln w="22225">
+            <a:solidFill>
+              <a:schemeClr val="accent1"/>
+            </a:solidFill>
+          </a:ln>
+        </p:spPr>
+      </p:pic>
+      <p:pic>
+        <p:nvPicPr>
+          <p:cNvPr id="6" name="Picture 5">
+            <a:extLst>
+              <a:ext uri="{FF2B5EF4-FFF2-40B4-BE49-F238E27FC236}">
+                <a16:creationId xmlns:a16="http://schemas.microsoft.com/office/drawing/2014/main" id="{88361D17-4AA5-5249-A185-6B922E1222E6}"/>
+              </a:ext>
+            </a:extLst>
+          </p:cNvPr>
+          <p:cNvPicPr>
+            <a:picLocks noChangeAspect="1"/>
+          </p:cNvPicPr>
+          <p:nvPr/>
+        </p:nvPicPr>
+        <p:blipFill>
+          <a:blip r:embed="rId3"/>
+          <a:stretch>
+            <a:fillRect/>
+          </a:stretch>
+        </p:blipFill>
+        <p:spPr>
+          <a:xfrm>
+            <a:off x="838080" y="1700726"/>
+            <a:ext cx="4356100" cy="3949700"/>
+          </a:xfrm>
+          <a:prstGeom prst="rect">
+            <a:avLst/>
+          </a:prstGeom>
+          <a:ln w="25400">
+            <a:solidFill>
+              <a:schemeClr val="accent1"/>
+            </a:solidFill>
+          </a:ln>
+        </p:spPr>
+      </p:pic>
+    </p:spTree>
+    <p:extLst>
+      <p:ext uri="{BB962C8B-B14F-4D97-AF65-F5344CB8AC3E}">
+        <p14:creationId xmlns:p14="http://schemas.microsoft.com/office/powerpoint/2010/main" val="9040121"/>
       </p:ext>
     </p:extLst>
   </p:cSld>

--- a/day-4/Using Kubernetes Day 4.pptx
+++ b/day-4/Using Kubernetes Day 4.pptx
@@ -279,7 +279,7 @@
           <a:p>
             <a:fld id="{42C2343A-BF2E-4E4B-99FA-FDD616CF880E}" type="datetimeFigureOut">
               <a:rPr lang="en-IL" smtClean="0"/>
-              <a:t>08/03/2022</a:t>
+              <a:t>09/03/2022</a:t>
             </a:fld>
             <a:endParaRPr lang="en-IL"/>
           </a:p>
@@ -479,7 +479,7 @@
           <a:p>
             <a:fld id="{42C2343A-BF2E-4E4B-99FA-FDD616CF880E}" type="datetimeFigureOut">
               <a:rPr lang="en-IL" smtClean="0"/>
-              <a:t>08/03/2022</a:t>
+              <a:t>09/03/2022</a:t>
             </a:fld>
             <a:endParaRPr lang="en-IL"/>
           </a:p>
@@ -689,7 +689,7 @@
           <a:p>
             <a:fld id="{42C2343A-BF2E-4E4B-99FA-FDD616CF880E}" type="datetimeFigureOut">
               <a:rPr lang="en-IL" smtClean="0"/>
-              <a:t>08/03/2022</a:t>
+              <a:t>09/03/2022</a:t>
             </a:fld>
             <a:endParaRPr lang="en-IL"/>
           </a:p>
@@ -994,7 +994,7 @@
           <a:p>
             <a:fld id="{42C2343A-BF2E-4E4B-99FA-FDD616CF880E}" type="datetimeFigureOut">
               <a:rPr lang="en-IL" smtClean="0"/>
-              <a:t>08/03/2022</a:t>
+              <a:t>09/03/2022</a:t>
             </a:fld>
             <a:endParaRPr lang="en-IL"/>
           </a:p>
@@ -1270,7 +1270,7 @@
           <a:p>
             <a:fld id="{42C2343A-BF2E-4E4B-99FA-FDD616CF880E}" type="datetimeFigureOut">
               <a:rPr lang="en-IL" smtClean="0"/>
-              <a:t>08/03/2022</a:t>
+              <a:t>09/03/2022</a:t>
             </a:fld>
             <a:endParaRPr lang="en-IL"/>
           </a:p>
@@ -1538,7 +1538,7 @@
           <a:p>
             <a:fld id="{42C2343A-BF2E-4E4B-99FA-FDD616CF880E}" type="datetimeFigureOut">
               <a:rPr lang="en-IL" smtClean="0"/>
-              <a:t>08/03/2022</a:t>
+              <a:t>09/03/2022</a:t>
             </a:fld>
             <a:endParaRPr lang="en-IL"/>
           </a:p>
@@ -1953,7 +1953,7 @@
           <a:p>
             <a:fld id="{42C2343A-BF2E-4E4B-99FA-FDD616CF880E}" type="datetimeFigureOut">
               <a:rPr lang="en-IL" smtClean="0"/>
-              <a:t>08/03/2022</a:t>
+              <a:t>09/03/2022</a:t>
             </a:fld>
             <a:endParaRPr lang="en-IL"/>
           </a:p>
@@ -2095,7 +2095,7 @@
           <a:p>
             <a:fld id="{42C2343A-BF2E-4E4B-99FA-FDD616CF880E}" type="datetimeFigureOut">
               <a:rPr lang="en-IL" smtClean="0"/>
-              <a:t>08/03/2022</a:t>
+              <a:t>09/03/2022</a:t>
             </a:fld>
             <a:endParaRPr lang="en-IL"/>
           </a:p>
@@ -2208,7 +2208,7 @@
           <a:p>
             <a:fld id="{42C2343A-BF2E-4E4B-99FA-FDD616CF880E}" type="datetimeFigureOut">
               <a:rPr lang="en-IL" smtClean="0"/>
-              <a:t>08/03/2022</a:t>
+              <a:t>09/03/2022</a:t>
             </a:fld>
             <a:endParaRPr lang="en-IL"/>
           </a:p>
@@ -2521,7 +2521,7 @@
           <a:p>
             <a:fld id="{42C2343A-BF2E-4E4B-99FA-FDD616CF880E}" type="datetimeFigureOut">
               <a:rPr lang="en-IL" smtClean="0"/>
-              <a:t>08/03/2022</a:t>
+              <a:t>09/03/2022</a:t>
             </a:fld>
             <a:endParaRPr lang="en-IL"/>
           </a:p>
@@ -2810,7 +2810,7 @@
           <a:p>
             <a:fld id="{42C2343A-BF2E-4E4B-99FA-FDD616CF880E}" type="datetimeFigureOut">
               <a:rPr lang="en-IL" smtClean="0"/>
-              <a:t>08/03/2022</a:t>
+              <a:t>09/03/2022</a:t>
             </a:fld>
             <a:endParaRPr lang="en-IL"/>
           </a:p>
@@ -3053,7 +3053,7 @@
           <a:p>
             <a:fld id="{42C2343A-BF2E-4E4B-99FA-FDD616CF880E}" type="datetimeFigureOut">
               <a:rPr lang="en-IL" smtClean="0"/>
-              <a:t>08/03/2022</a:t>
+              <a:t>09/03/2022</a:t>
             </a:fld>
             <a:endParaRPr lang="en-IL"/>
           </a:p>
@@ -9796,10 +9796,10 @@
       </p:pic>
       <p:pic>
         <p:nvPicPr>
-          <p:cNvPr id="6" name="Picture 5">
+          <p:cNvPr id="3" name="Picture 2">
             <a:extLst>
               <a:ext uri="{FF2B5EF4-FFF2-40B4-BE49-F238E27FC236}">
-                <a16:creationId xmlns:a16="http://schemas.microsoft.com/office/drawing/2014/main" id="{88361D17-4AA5-5249-A185-6B922E1222E6}"/>
+                <a16:creationId xmlns:a16="http://schemas.microsoft.com/office/drawing/2014/main" id="{AC071C01-7DCB-914D-A72A-CDFAFD180E02}"/>
               </a:ext>
             </a:extLst>
           </p:cNvPr>
@@ -9816,8 +9816,8 @@
         </p:blipFill>
         <p:spPr>
           <a:xfrm>
-            <a:off x="838080" y="1700726"/>
-            <a:ext cx="4356100" cy="3949700"/>
+            <a:off x="838080" y="1689840"/>
+            <a:ext cx="4553490" cy="3807193"/>
           </a:xfrm>
           <a:prstGeom prst="rect">
             <a:avLst/>
